--- a/OSI-and-TCP.pptx
+++ b/OSI-and-TCP.pptx
@@ -259,7 +259,7 @@
           <a:p>
             <a:fld id="{25CED6D1-EC8A-4FA6-B24C-75285785FC19}" type="datetimeFigureOut">
               <a:rPr lang="ko-KR" altLang="en-US" smtClean="0"/>
-              <a:t>2020-07-13</a:t>
+              <a:t>2020-07-14</a:t>
             </a:fld>
             <a:endParaRPr lang="ko-KR" altLang="en-US"/>
           </a:p>
@@ -457,7 +457,7 @@
           <a:p>
             <a:fld id="{25CED6D1-EC8A-4FA6-B24C-75285785FC19}" type="datetimeFigureOut">
               <a:rPr lang="ko-KR" altLang="en-US" smtClean="0"/>
-              <a:t>2020-07-13</a:t>
+              <a:t>2020-07-14</a:t>
             </a:fld>
             <a:endParaRPr lang="ko-KR" altLang="en-US"/>
           </a:p>
@@ -665,7 +665,7 @@
           <a:p>
             <a:fld id="{25CED6D1-EC8A-4FA6-B24C-75285785FC19}" type="datetimeFigureOut">
               <a:rPr lang="ko-KR" altLang="en-US" smtClean="0"/>
-              <a:t>2020-07-13</a:t>
+              <a:t>2020-07-14</a:t>
             </a:fld>
             <a:endParaRPr lang="ko-KR" altLang="en-US"/>
           </a:p>
@@ -863,7 +863,7 @@
           <a:p>
             <a:fld id="{25CED6D1-EC8A-4FA6-B24C-75285785FC19}" type="datetimeFigureOut">
               <a:rPr lang="ko-KR" altLang="en-US" smtClean="0"/>
-              <a:t>2020-07-13</a:t>
+              <a:t>2020-07-14</a:t>
             </a:fld>
             <a:endParaRPr lang="ko-KR" altLang="en-US"/>
           </a:p>
@@ -1138,7 +1138,7 @@
           <a:p>
             <a:fld id="{25CED6D1-EC8A-4FA6-B24C-75285785FC19}" type="datetimeFigureOut">
               <a:rPr lang="ko-KR" altLang="en-US" smtClean="0"/>
-              <a:t>2020-07-13</a:t>
+              <a:t>2020-07-14</a:t>
             </a:fld>
             <a:endParaRPr lang="ko-KR" altLang="en-US"/>
           </a:p>
@@ -1403,7 +1403,7 @@
           <a:p>
             <a:fld id="{25CED6D1-EC8A-4FA6-B24C-75285785FC19}" type="datetimeFigureOut">
               <a:rPr lang="ko-KR" altLang="en-US" smtClean="0"/>
-              <a:t>2020-07-13</a:t>
+              <a:t>2020-07-14</a:t>
             </a:fld>
             <a:endParaRPr lang="ko-KR" altLang="en-US"/>
           </a:p>
@@ -1815,7 +1815,7 @@
           <a:p>
             <a:fld id="{25CED6D1-EC8A-4FA6-B24C-75285785FC19}" type="datetimeFigureOut">
               <a:rPr lang="ko-KR" altLang="en-US" smtClean="0"/>
-              <a:t>2020-07-13</a:t>
+              <a:t>2020-07-14</a:t>
             </a:fld>
             <a:endParaRPr lang="ko-KR" altLang="en-US"/>
           </a:p>
@@ -1956,7 +1956,7 @@
           <a:p>
             <a:fld id="{25CED6D1-EC8A-4FA6-B24C-75285785FC19}" type="datetimeFigureOut">
               <a:rPr lang="ko-KR" altLang="en-US" smtClean="0"/>
-              <a:t>2020-07-13</a:t>
+              <a:t>2020-07-14</a:t>
             </a:fld>
             <a:endParaRPr lang="ko-KR" altLang="en-US"/>
           </a:p>
@@ -2069,7 +2069,7 @@
           <a:p>
             <a:fld id="{25CED6D1-EC8A-4FA6-B24C-75285785FC19}" type="datetimeFigureOut">
               <a:rPr lang="ko-KR" altLang="en-US" smtClean="0"/>
-              <a:t>2020-07-13</a:t>
+              <a:t>2020-07-14</a:t>
             </a:fld>
             <a:endParaRPr lang="ko-KR" altLang="en-US"/>
           </a:p>
@@ -2380,7 +2380,7 @@
           <a:p>
             <a:fld id="{25CED6D1-EC8A-4FA6-B24C-75285785FC19}" type="datetimeFigureOut">
               <a:rPr lang="ko-KR" altLang="en-US" smtClean="0"/>
-              <a:t>2020-07-13</a:t>
+              <a:t>2020-07-14</a:t>
             </a:fld>
             <a:endParaRPr lang="ko-KR" altLang="en-US"/>
           </a:p>
@@ -2668,7 +2668,7 @@
           <a:p>
             <a:fld id="{25CED6D1-EC8A-4FA6-B24C-75285785FC19}" type="datetimeFigureOut">
               <a:rPr lang="ko-KR" altLang="en-US" smtClean="0"/>
-              <a:t>2020-07-13</a:t>
+              <a:t>2020-07-14</a:t>
             </a:fld>
             <a:endParaRPr lang="ko-KR" altLang="en-US"/>
           </a:p>
@@ -2909,7 +2909,7 @@
           <a:p>
             <a:fld id="{25CED6D1-EC8A-4FA6-B24C-75285785FC19}" type="datetimeFigureOut">
               <a:rPr lang="ko-KR" altLang="en-US" smtClean="0"/>
-              <a:t>2020-07-13</a:t>
+              <a:t>2020-07-14</a:t>
             </a:fld>
             <a:endParaRPr lang="ko-KR" altLang="en-US"/>
           </a:p>

--- a/OSI-and-TCP.pptx
+++ b/OSI-and-TCP.pptx
@@ -3341,14 +3341,14 @@
           <p:nvPr>
             <p:extLst>
               <p:ext uri="{D42A27DB-BD31-4B8C-83A1-F6EECF244321}">
-                <p14:modId xmlns:p14="http://schemas.microsoft.com/office/powerpoint/2010/main" val="3451753431"/>
+                <p14:modId xmlns:p14="http://schemas.microsoft.com/office/powerpoint/2010/main" val="915151532"/>
               </p:ext>
             </p:extLst>
           </p:nvPr>
         </p:nvGraphicFramePr>
         <p:xfrm>
-          <a:off x="0" y="0"/>
-          <a:ext cx="12192000" cy="7947660"/>
+          <a:off x="0" y="1"/>
+          <a:ext cx="12192000" cy="6858000"/>
         </p:xfrm>
         <a:graphic>
           <a:graphicData uri="http://schemas.openxmlformats.org/drawingml/2006/table">
@@ -3393,14 +3393,14 @@
                   </a:extLst>
                 </a:gridCol>
               </a:tblGrid>
-              <a:tr h="857250">
+              <a:tr h="1109919">
                 <a:tc>
                   <a:txBody>
                     <a:bodyPr/>
                     <a:lstStyle/>
                     <a:p>
                       <a:pPr algn="ctr" latinLnBrk="1"/>
-                      <a:endParaRPr lang="ko-KR" altLang="en-US" sz="3200" dirty="0"/>
+                      <a:endParaRPr lang="ko-KR" altLang="en-US" sz="2800" dirty="0"/>
                     </a:p>
                   </a:txBody>
                   <a:tcPr/>
@@ -3412,10 +3412,10 @@
                     <a:p>
                       <a:pPr algn="ctr" latinLnBrk="1"/>
                       <a:r>
-                        <a:rPr lang="en-US" altLang="ko-KR" sz="3200" dirty="0"/>
+                        <a:rPr lang="en-US" altLang="ko-KR" sz="2800" dirty="0"/>
                         <a:t>OSI Model</a:t>
                       </a:r>
-                      <a:endParaRPr lang="ko-KR" altLang="en-US" sz="3200" dirty="0"/>
+                      <a:endParaRPr lang="ko-KR" altLang="en-US" sz="2800" dirty="0"/>
                     </a:p>
                   </a:txBody>
                   <a:tcPr/>
@@ -3427,10 +3427,10 @@
                     <a:p>
                       <a:pPr algn="ctr" latinLnBrk="1"/>
                       <a:r>
-                        <a:rPr lang="en-US" altLang="ko-KR" sz="3200" dirty="0"/>
+                        <a:rPr lang="en-US" altLang="ko-KR" sz="2800" dirty="0"/>
                         <a:t>Layer Number</a:t>
                       </a:r>
-                      <a:endParaRPr lang="ko-KR" altLang="en-US" sz="3200" dirty="0"/>
+                      <a:endParaRPr lang="ko-KR" altLang="en-US" sz="2800" dirty="0"/>
                     </a:p>
                   </a:txBody>
                   <a:tcPr/>
@@ -3442,10 +3442,10 @@
                     <a:p>
                       <a:pPr algn="ctr" latinLnBrk="1"/>
                       <a:r>
-                        <a:rPr lang="en-US" altLang="ko-KR" sz="3200" dirty="0"/>
+                        <a:rPr lang="en-US" altLang="ko-KR" sz="2800" dirty="0"/>
                         <a:t>TCP/IP Layer</a:t>
                       </a:r>
-                      <a:endParaRPr lang="ko-KR" altLang="en-US" sz="3200" dirty="0"/>
+                      <a:endParaRPr lang="ko-KR" altLang="en-US" sz="2800" dirty="0"/>
                     </a:p>
                   </a:txBody>
                   <a:tcPr/>
@@ -3457,10 +3457,10 @@
                     <a:p>
                       <a:pPr algn="ctr" latinLnBrk="1"/>
                       <a:r>
-                        <a:rPr lang="en-US" altLang="ko-KR" sz="3200" dirty="0"/>
+                        <a:rPr lang="en-US" altLang="ko-KR" sz="2800" dirty="0"/>
                         <a:t>Other protocol</a:t>
                       </a:r>
-                      <a:endParaRPr lang="ko-KR" altLang="en-US" sz="3200" dirty="0"/>
+                      <a:endParaRPr lang="ko-KR" altLang="en-US" sz="2800" dirty="0"/>
                     </a:p>
                   </a:txBody>
                   <a:tcPr/>
@@ -3471,7 +3471,7 @@
                   </a:ext>
                 </a:extLst>
               </a:tr>
-              <a:tr h="857250">
+              <a:tr h="680274">
                 <a:tc>
                   <a:txBody>
                     <a:bodyPr/>
@@ -3479,100 +3479,14 @@
                     <a:p>
                       <a:pPr algn="ctr" latinLnBrk="1"/>
                       <a:r>
-                        <a:rPr lang="en-US" altLang="ko-KR" sz="3600" dirty="0">
+                        <a:rPr lang="en-US" altLang="ko-KR" sz="3200" dirty="0">
                           <a:solidFill>
                             <a:srgbClr val="FF0000"/>
                           </a:solidFill>
                         </a:rPr>
                         <a:t>Alligator</a:t>
                       </a:r>
-                      <a:endParaRPr lang="ko-KR" altLang="en-US" sz="3600" dirty="0">
-                        <a:solidFill>
-                          <a:srgbClr val="FF0000"/>
-                        </a:solidFill>
-                      </a:endParaRPr>
-                    </a:p>
-                  </a:txBody>
-                  <a:tcPr/>
-                </a:tc>
-                <a:tc>
-                  <a:txBody>
-                    <a:bodyPr/>
-                    <a:lstStyle/>
-                    <a:p>
-                      <a:pPr algn="ctr" latinLnBrk="1"/>
-                      <a:r>
-                        <a:rPr lang="en-US" altLang="ko-KR" sz="3200" dirty="0"/>
-                        <a:t>Application</a:t>
-                      </a:r>
-                      <a:endParaRPr lang="ko-KR" altLang="en-US" sz="3200" dirty="0"/>
-                    </a:p>
-                  </a:txBody>
-                  <a:tcPr/>
-                </a:tc>
-                <a:tc>
-                  <a:txBody>
-                    <a:bodyPr/>
-                    <a:lstStyle/>
-                    <a:p>
-                      <a:pPr algn="ctr" latinLnBrk="1"/>
-                      <a:endParaRPr lang="ko-KR" altLang="en-US" sz="3600"/>
-                    </a:p>
-                  </a:txBody>
-                  <a:tcPr/>
-                </a:tc>
-                <a:tc rowSpan="3">
-                  <a:txBody>
-                    <a:bodyPr/>
-                    <a:lstStyle/>
-                    <a:p>
-                      <a:pPr algn="ctr" latinLnBrk="1"/>
-                      <a:r>
-                        <a:rPr lang="en-US" altLang="ko-KR" sz="3600" dirty="0"/>
-                        <a:t>HTTP</a:t>
-                      </a:r>
-                      <a:endParaRPr lang="ko-KR" altLang="en-US" sz="3600" dirty="0"/>
-                    </a:p>
-                  </a:txBody>
-                  <a:tcPr/>
-                </a:tc>
-                <a:tc rowSpan="3">
-                  <a:txBody>
-                    <a:bodyPr/>
-                    <a:lstStyle/>
-                    <a:p>
-                      <a:pPr algn="ctr" latinLnBrk="1"/>
-                      <a:r>
-                        <a:rPr lang="en-US" altLang="ko-KR" sz="3600" dirty="0"/>
-                        <a:t>SSH,FTP, Telnet, SMTP, POP3</a:t>
-                      </a:r>
-                      <a:endParaRPr lang="ko-KR" altLang="en-US" sz="3600" dirty="0"/>
-                    </a:p>
-                  </a:txBody>
-                  <a:tcPr/>
-                </a:tc>
-                <a:extLst>
-                  <a:ext uri="{0D108BD9-81ED-4DB2-BD59-A6C34878D82A}">
-                    <a16:rowId xmlns:a16="http://schemas.microsoft.com/office/drawing/2014/main" val="2941648020"/>
-                  </a:ext>
-                </a:extLst>
-              </a:tr>
-              <a:tr h="857250">
-                <a:tc>
-                  <a:txBody>
-                    <a:bodyPr/>
-                    <a:lstStyle/>
-                    <a:p>
-                      <a:pPr algn="ctr" latinLnBrk="1"/>
-                      <a:r>
-                        <a:rPr lang="en-US" altLang="ko-KR" sz="3600" dirty="0">
-                          <a:solidFill>
-                            <a:srgbClr val="FF0000"/>
-                          </a:solidFill>
-                        </a:rPr>
-                        <a:t>Pet</a:t>
-                      </a:r>
-                      <a:endParaRPr lang="ko-KR" altLang="en-US" sz="3600" dirty="0">
+                      <a:endParaRPr lang="ko-KR" altLang="en-US" sz="3200" dirty="0">
                         <a:solidFill>
                           <a:srgbClr val="FF0000"/>
                         </a:solidFill>
@@ -3589,7 +3503,7 @@
                       <a:pPr algn="ctr" latinLnBrk="1"/>
                       <a:r>
                         <a:rPr lang="en-US" altLang="ko-KR" sz="2800" dirty="0"/>
-                        <a:t>Presentation</a:t>
+                        <a:t>Application</a:t>
                       </a:r>
                       <a:endParaRPr lang="ko-KR" altLang="en-US" sz="2800" dirty="0"/>
                     </a:p>
@@ -3602,7 +3516,93 @@
                     <a:lstStyle/>
                     <a:p>
                       <a:pPr algn="ctr" latinLnBrk="1"/>
-                      <a:endParaRPr lang="ko-KR" altLang="en-US" sz="3600"/>
+                      <a:endParaRPr lang="ko-KR" altLang="en-US" sz="3200"/>
+                    </a:p>
+                  </a:txBody>
+                  <a:tcPr/>
+                </a:tc>
+                <a:tc rowSpan="3">
+                  <a:txBody>
+                    <a:bodyPr/>
+                    <a:lstStyle/>
+                    <a:p>
+                      <a:pPr algn="ctr" latinLnBrk="1"/>
+                      <a:r>
+                        <a:rPr lang="en-US" altLang="ko-KR" sz="3200" dirty="0"/>
+                        <a:t>HTTP</a:t>
+                      </a:r>
+                      <a:endParaRPr lang="ko-KR" altLang="en-US" sz="3200" dirty="0"/>
+                    </a:p>
+                  </a:txBody>
+                  <a:tcPr/>
+                </a:tc>
+                <a:tc rowSpan="3">
+                  <a:txBody>
+                    <a:bodyPr/>
+                    <a:lstStyle/>
+                    <a:p>
+                      <a:pPr algn="ctr" latinLnBrk="1"/>
+                      <a:r>
+                        <a:rPr lang="en-US" altLang="ko-KR" sz="3200" dirty="0"/>
+                        <a:t>SSH,FTP, Telnet, SMTP, POP3</a:t>
+                      </a:r>
+                      <a:endParaRPr lang="ko-KR" altLang="en-US" sz="3200" dirty="0"/>
+                    </a:p>
+                  </a:txBody>
+                  <a:tcPr/>
+                </a:tc>
+                <a:extLst>
+                  <a:ext uri="{0D108BD9-81ED-4DB2-BD59-A6C34878D82A}">
+                    <a16:rowId xmlns:a16="http://schemas.microsoft.com/office/drawing/2014/main" val="2941648020"/>
+                  </a:ext>
+                </a:extLst>
+              </a:tr>
+              <a:tr h="680274">
+                <a:tc>
+                  <a:txBody>
+                    <a:bodyPr/>
+                    <a:lstStyle/>
+                    <a:p>
+                      <a:pPr algn="ctr" latinLnBrk="1"/>
+                      <a:r>
+                        <a:rPr lang="en-US" altLang="ko-KR" sz="3200" dirty="0">
+                          <a:solidFill>
+                            <a:srgbClr val="FF0000"/>
+                          </a:solidFill>
+                        </a:rPr>
+                        <a:t>Pet</a:t>
+                      </a:r>
+                      <a:endParaRPr lang="ko-KR" altLang="en-US" sz="3200" dirty="0">
+                        <a:solidFill>
+                          <a:srgbClr val="FF0000"/>
+                        </a:solidFill>
+                      </a:endParaRPr>
+                    </a:p>
+                  </a:txBody>
+                  <a:tcPr/>
+                </a:tc>
+                <a:tc>
+                  <a:txBody>
+                    <a:bodyPr/>
+                    <a:lstStyle/>
+                    <a:p>
+                      <a:pPr algn="ctr" latinLnBrk="1"/>
+                      <a:r>
+                        <a:rPr lang="en-US" altLang="ko-KR" sz="2400" dirty="0"/>
+                        <a:t>Presentation</a:t>
+                      </a:r>
+                      <a:endParaRPr lang="ko-KR" altLang="en-US" sz="2400" dirty="0"/>
+                    </a:p>
+                  </a:txBody>
+                  <a:tcPr/>
+                </a:tc>
+                <a:tc>
+                  <a:txBody>
+                    <a:bodyPr/>
+                    <a:lstStyle/>
+                    <a:p>
+                      <a:pPr algn="ctr" latinLnBrk="1"/>
+                      <a:endParaRPr lang="ko-KR" altLang="en-US" sz="3200"/>
                     </a:p>
                   </a:txBody>
                   <a:tcPr/>
@@ -3635,7 +3635,7 @@
                   </a:ext>
                 </a:extLst>
               </a:tr>
-              <a:tr h="857250">
+              <a:tr h="860461">
                 <a:tc>
                   <a:txBody>
                     <a:bodyPr/>
@@ -3643,7 +3643,7 @@
                     <a:p>
                       <a:pPr algn="ctr" latinLnBrk="1"/>
                       <a:r>
-                        <a:rPr lang="en-US" altLang="ko-KR" sz="3600" dirty="0">
+                        <a:rPr lang="en-US" altLang="ko-KR" sz="3200" dirty="0">
                           <a:solidFill>
                             <a:srgbClr val="FF0000"/>
                           </a:solidFill>
@@ -3661,10 +3661,10 @@
                     <a:p>
                       <a:pPr algn="ctr" latinLnBrk="1"/>
                       <a:r>
-                        <a:rPr lang="en-US" altLang="ko-KR" sz="3600" dirty="0"/>
+                        <a:rPr lang="en-US" altLang="ko-KR" sz="3200" dirty="0"/>
                         <a:t>Session</a:t>
                       </a:r>
-                      <a:endParaRPr lang="ko-KR" altLang="en-US" sz="3600" dirty="0"/>
+                      <a:endParaRPr lang="ko-KR" altLang="en-US" sz="3200" dirty="0"/>
                     </a:p>
                   </a:txBody>
                   <a:tcPr/>
@@ -3675,7 +3675,7 @@
                     <a:lstStyle/>
                     <a:p>
                       <a:pPr algn="ctr" latinLnBrk="1"/>
-                      <a:endParaRPr lang="ko-KR" altLang="en-US" sz="3600" dirty="0"/>
+                      <a:endParaRPr lang="ko-KR" altLang="en-US" sz="3200" dirty="0"/>
                     </a:p>
                   </a:txBody>
                   <a:tcPr/>
@@ -3708,7 +3708,7 @@
                   </a:ext>
                 </a:extLst>
               </a:tr>
-              <a:tr h="857250">
+              <a:tr h="680274">
                 <a:tc>
                   <a:txBody>
                     <a:bodyPr/>
@@ -3716,14 +3716,14 @@
                     <a:p>
                       <a:pPr algn="ctr" latinLnBrk="1"/>
                       <a:r>
-                        <a:rPr lang="en-US" altLang="ko-KR" sz="3600" dirty="0">
+                        <a:rPr lang="en-US" altLang="ko-KR" sz="3200" dirty="0">
                           <a:solidFill>
                             <a:srgbClr val="FF0000"/>
                           </a:solidFill>
                         </a:rPr>
                         <a:t>Touch</a:t>
                       </a:r>
-                      <a:endParaRPr lang="ko-KR" altLang="en-US" sz="3600" dirty="0">
+                      <a:endParaRPr lang="ko-KR" altLang="en-US" sz="3200" dirty="0">
                         <a:solidFill>
                           <a:srgbClr val="FF0000"/>
                         </a:solidFill>
@@ -3739,10 +3739,10 @@
                     <a:p>
                       <a:pPr algn="ctr" latinLnBrk="1"/>
                       <a:r>
-                        <a:rPr lang="en-US" altLang="ko-KR" sz="3600" dirty="0"/>
+                        <a:rPr lang="en-US" altLang="ko-KR" sz="3200" dirty="0"/>
                         <a:t>Transport</a:t>
                       </a:r>
-                      <a:endParaRPr lang="ko-KR" altLang="en-US" sz="3600" dirty="0"/>
+                      <a:endParaRPr lang="ko-KR" altLang="en-US" sz="3200" dirty="0"/>
                     </a:p>
                   </a:txBody>
                   <a:tcPr/>
@@ -3753,7 +3753,7 @@
                     <a:lstStyle/>
                     <a:p>
                       <a:pPr algn="ctr" latinLnBrk="1"/>
-                      <a:endParaRPr lang="ko-KR" altLang="en-US" sz="3600" dirty="0"/>
+                      <a:endParaRPr lang="ko-KR" altLang="en-US" sz="3200" dirty="0"/>
                     </a:p>
                   </a:txBody>
                   <a:tcPr/>
@@ -3765,10 +3765,10 @@
                     <a:p>
                       <a:pPr algn="ctr" latinLnBrk="1"/>
                       <a:r>
-                        <a:rPr lang="en-US" altLang="ko-KR" sz="3600" dirty="0"/>
+                        <a:rPr lang="en-US" altLang="ko-KR" sz="3200" dirty="0"/>
                         <a:t>TCP</a:t>
                       </a:r>
-                      <a:endParaRPr lang="ko-KR" altLang="en-US" sz="3600" dirty="0"/>
+                      <a:endParaRPr lang="ko-KR" altLang="en-US" sz="3200" dirty="0"/>
                     </a:p>
                   </a:txBody>
                   <a:tcPr/>
@@ -3780,10 +3780,10 @@
                     <a:p>
                       <a:pPr algn="ctr" latinLnBrk="1"/>
                       <a:r>
-                        <a:rPr lang="en-US" altLang="ko-KR" sz="3600" dirty="0"/>
+                        <a:rPr lang="en-US" altLang="ko-KR" sz="3200" dirty="0"/>
                         <a:t>UDP, SCTP</a:t>
                       </a:r>
-                      <a:endParaRPr lang="ko-KR" altLang="en-US" sz="3600" dirty="0"/>
+                      <a:endParaRPr lang="ko-KR" altLang="en-US" sz="3200" dirty="0"/>
                     </a:p>
                   </a:txBody>
                   <a:tcPr/>
@@ -3794,7 +3794,7 @@
                   </a:ext>
                 </a:extLst>
               </a:tr>
-              <a:tr h="857250">
+              <a:tr h="680274">
                 <a:tc>
                   <a:txBody>
                     <a:bodyPr/>
@@ -3802,14 +3802,14 @@
                     <a:p>
                       <a:pPr algn="ctr" latinLnBrk="1"/>
                       <a:r>
-                        <a:rPr lang="en-US" altLang="ko-KR" sz="3600" dirty="0">
+                        <a:rPr lang="en-US" altLang="ko-KR" sz="3200" dirty="0">
                           <a:solidFill>
                             <a:srgbClr val="FF0000"/>
                           </a:solidFill>
                         </a:rPr>
                         <a:t>Not</a:t>
                       </a:r>
-                      <a:endParaRPr lang="ko-KR" altLang="en-US" sz="3600" dirty="0">
+                      <a:endParaRPr lang="ko-KR" altLang="en-US" sz="3200" dirty="0">
                         <a:solidFill>
                           <a:srgbClr val="FF0000"/>
                         </a:solidFill>
@@ -3825,10 +3825,10 @@
                     <a:p>
                       <a:pPr algn="ctr" latinLnBrk="1"/>
                       <a:r>
-                        <a:rPr lang="en-US" altLang="ko-KR" sz="3600" dirty="0"/>
+                        <a:rPr lang="en-US" altLang="ko-KR" sz="3200" dirty="0"/>
                         <a:t>Network</a:t>
                       </a:r>
-                      <a:endParaRPr lang="ko-KR" altLang="en-US" sz="3600" dirty="0"/>
+                      <a:endParaRPr lang="ko-KR" altLang="en-US" sz="3200" dirty="0"/>
                     </a:p>
                   </a:txBody>
                   <a:tcPr/>
@@ -3839,7 +3839,7 @@
                     <a:lstStyle/>
                     <a:p>
                       <a:pPr algn="ctr" latinLnBrk="1"/>
-                      <a:endParaRPr lang="ko-KR" altLang="en-US" sz="3600" dirty="0"/>
+                      <a:endParaRPr lang="ko-KR" altLang="en-US" sz="3200" dirty="0"/>
                     </a:p>
                   </a:txBody>
                   <a:tcPr/>
@@ -3851,10 +3851,10 @@
                     <a:p>
                       <a:pPr algn="ctr" latinLnBrk="1"/>
                       <a:r>
-                        <a:rPr lang="en-US" altLang="ko-KR" sz="3600" dirty="0"/>
+                        <a:rPr lang="en-US" altLang="ko-KR" sz="3200" dirty="0"/>
                         <a:t>IP</a:t>
                       </a:r>
-                      <a:endParaRPr lang="ko-KR" altLang="en-US" sz="3600" dirty="0"/>
+                      <a:endParaRPr lang="ko-KR" altLang="en-US" sz="3200" dirty="0"/>
                     </a:p>
                   </a:txBody>
                   <a:tcPr/>
@@ -3866,10 +3866,10 @@
                     <a:p>
                       <a:pPr algn="ctr" latinLnBrk="1"/>
                       <a:r>
-                        <a:rPr lang="en-US" altLang="ko-KR" sz="3600" dirty="0"/>
+                        <a:rPr lang="en-US" altLang="ko-KR" sz="3200" dirty="0"/>
                         <a:t>IPv6,ARP</a:t>
                       </a:r>
-                      <a:endParaRPr lang="ko-KR" altLang="en-US" sz="3600" dirty="0"/>
+                      <a:endParaRPr lang="ko-KR" altLang="en-US" sz="3200" dirty="0"/>
                     </a:p>
                   </a:txBody>
                   <a:tcPr/>
@@ -3880,7 +3880,7 @@
                   </a:ext>
                 </a:extLst>
               </a:tr>
-              <a:tr h="857250">
+              <a:tr h="1486250">
                 <a:tc>
                   <a:txBody>
                     <a:bodyPr/>
@@ -3888,14 +3888,14 @@
                     <a:p>
                       <a:pPr algn="ctr" latinLnBrk="1"/>
                       <a:r>
-                        <a:rPr lang="en-US" altLang="ko-KR" sz="3600" dirty="0">
+                        <a:rPr lang="en-US" altLang="ko-KR" sz="3200" dirty="0">
                           <a:solidFill>
                             <a:srgbClr val="FF0000"/>
                           </a:solidFill>
                         </a:rPr>
                         <a:t>Do</a:t>
                       </a:r>
-                      <a:endParaRPr lang="ko-KR" altLang="en-US" sz="3600" dirty="0">
+                      <a:endParaRPr lang="ko-KR" altLang="en-US" sz="3200" dirty="0">
                         <a:solidFill>
                           <a:srgbClr val="FF0000"/>
                         </a:solidFill>
@@ -3911,10 +3911,10 @@
                     <a:p>
                       <a:pPr algn="ctr" latinLnBrk="1"/>
                       <a:r>
-                        <a:rPr lang="en-US" altLang="ko-KR" sz="3600" dirty="0"/>
+                        <a:rPr lang="en-US" altLang="ko-KR" sz="3200" dirty="0"/>
                         <a:t>Data Link</a:t>
                       </a:r>
-                      <a:endParaRPr lang="ko-KR" altLang="en-US" sz="3600" dirty="0"/>
+                      <a:endParaRPr lang="ko-KR" altLang="en-US" sz="3200" dirty="0"/>
                     </a:p>
                   </a:txBody>
                   <a:tcPr/>
@@ -3925,7 +3925,7 @@
                     <a:lstStyle/>
                     <a:p>
                       <a:pPr algn="ctr" latinLnBrk="1"/>
-                      <a:endParaRPr lang="ko-KR" altLang="en-US" sz="3600"/>
+                      <a:endParaRPr lang="ko-KR" altLang="en-US" sz="3200" dirty="0"/>
                     </a:p>
                   </a:txBody>
                   <a:tcPr/>
@@ -3937,10 +3937,10 @@
                     <a:p>
                       <a:pPr algn="ctr" latinLnBrk="1"/>
                       <a:r>
-                        <a:rPr lang="en-US" altLang="ko-KR" sz="3600" dirty="0"/>
+                        <a:rPr lang="en-US" altLang="ko-KR" sz="3200" dirty="0"/>
                         <a:t>Ethernet</a:t>
                       </a:r>
-                      <a:endParaRPr lang="ko-KR" altLang="en-US" sz="3600" dirty="0"/>
+                      <a:endParaRPr lang="ko-KR" altLang="en-US" sz="3200" dirty="0"/>
                     </a:p>
                   </a:txBody>
                   <a:tcPr/>
@@ -3952,14 +3952,10 @@
                     <a:p>
                       <a:pPr algn="ctr" latinLnBrk="1"/>
                       <a:r>
-                        <a:rPr lang="en-US" altLang="ko-KR" sz="3600" dirty="0"/>
-                        <a:t>HDLC</a:t>
+                        <a:rPr lang="en-US" altLang="ko-KR" sz="3200" dirty="0"/>
+                        <a:t>HDLC, Frame Relay</a:t>
                       </a:r>
-                      <a:r>
-                        <a:rPr lang="en-US" altLang="ko-KR" sz="3600"/>
-                        <a:t>, Frame Relay</a:t>
-                      </a:r>
-                      <a:endParaRPr lang="ko-KR" altLang="en-US" sz="3600" dirty="0"/>
+                      <a:endParaRPr lang="ko-KR" altLang="en-US" sz="3200" dirty="0"/>
                     </a:p>
                   </a:txBody>
                   <a:tcPr/>
@@ -3970,7 +3966,7 @@
                   </a:ext>
                 </a:extLst>
               </a:tr>
-              <a:tr h="857250">
+              <a:tr h="680274">
                 <a:tc>
                   <a:txBody>
                     <a:bodyPr/>
@@ -3978,14 +3974,14 @@
                     <a:p>
                       <a:pPr algn="ctr" latinLnBrk="1"/>
                       <a:r>
-                        <a:rPr lang="en-US" altLang="ko-KR" sz="3600" dirty="0">
+                        <a:rPr lang="en-US" altLang="ko-KR" sz="3200" dirty="0">
                           <a:solidFill>
                             <a:srgbClr val="FF0000"/>
                           </a:solidFill>
                         </a:rPr>
                         <a:t>Please</a:t>
                       </a:r>
-                      <a:endParaRPr lang="ko-KR" altLang="en-US" sz="3600" dirty="0">
+                      <a:endParaRPr lang="ko-KR" altLang="en-US" sz="3200" dirty="0">
                         <a:solidFill>
                           <a:srgbClr val="FF0000"/>
                         </a:solidFill>
@@ -4001,10 +3997,10 @@
                     <a:p>
                       <a:pPr algn="ctr" latinLnBrk="1"/>
                       <a:r>
-                        <a:rPr lang="en-US" altLang="ko-KR" sz="3600" dirty="0"/>
+                        <a:rPr lang="en-US" altLang="ko-KR" sz="3200" dirty="0"/>
                         <a:t>Physical</a:t>
                       </a:r>
-                      <a:endParaRPr lang="ko-KR" altLang="en-US" sz="3600" dirty="0"/>
+                      <a:endParaRPr lang="ko-KR" altLang="en-US" sz="3200" dirty="0"/>
                     </a:p>
                   </a:txBody>
                   <a:tcPr/>
@@ -4015,7 +4011,7 @@
                     <a:lstStyle/>
                     <a:p>
                       <a:pPr algn="ctr" latinLnBrk="1"/>
-                      <a:endParaRPr lang="ko-KR" altLang="en-US" sz="3600"/>
+                      <a:endParaRPr lang="ko-KR" altLang="en-US" sz="3200" dirty="0"/>
                     </a:p>
                   </a:txBody>
                   <a:tcPr/>
@@ -4026,7 +4022,7 @@
                     <a:lstStyle/>
                     <a:p>
                       <a:pPr algn="ctr" latinLnBrk="1"/>
-                      <a:endParaRPr lang="ko-KR" altLang="en-US" sz="3600" dirty="0"/>
+                      <a:endParaRPr lang="ko-KR" altLang="en-US" sz="3200" dirty="0"/>
                     </a:p>
                   </a:txBody>
                   <a:tcPr/>
@@ -4037,7 +4033,7 @@
                     <a:lstStyle/>
                     <a:p>
                       <a:pPr algn="ctr" latinLnBrk="1"/>
-                      <a:endParaRPr lang="ko-KR" altLang="en-US" sz="3600" dirty="0"/>
+                      <a:endParaRPr lang="ko-KR" altLang="en-US" sz="3200" dirty="0"/>
                     </a:p>
                   </a:txBody>
                   <a:tcPr/>
